--- a/Clases/Presentación.pptx
+++ b/Clases/Presentación.pptx
@@ -217,7 +217,7 @@
           <a:p>
             <a:fld id="{7FF7D7FF-DDC7-474C-8526-899954A31AD1}" type="datetimeFigureOut">
               <a:rPr lang="es-EC" smtClean="0"/>
-              <a:t>3/11/2023</a:t>
+              <a:t>12/11/2023</a:t>
             </a:fld>
             <a:endParaRPr lang="es-EC"/>
           </a:p>
@@ -643,7 +643,7 @@
           <a:p>
             <a:fld id="{8FEB83C7-CE7D-EE43-931B-A983B2AE7CF3}" type="datetimeFigureOut">
               <a:rPr lang="es-EC" smtClean="0"/>
-              <a:t>3/11/2023</a:t>
+              <a:t>12/11/2023</a:t>
             </a:fld>
             <a:endParaRPr lang="es-EC"/>
           </a:p>
@@ -1895,15 +1895,7 @@
           <a:p>
             <a:r>
               <a:rPr lang="es-419" sz="1400" dirty="0"/>
-              <a:t>  Cifrado </a:t>
-            </a:r>
-            <a:r>
-              <a:rPr lang="es-419" sz="1400" dirty="0" err="1"/>
-              <a:t>siimétrico</a:t>
-            </a:r>
-            <a:r>
-              <a:rPr lang="es-419" sz="1400" dirty="0"/>
-              <a:t>.</a:t>
+              <a:t>  Cifrado simétrico.</a:t>
             </a:r>
           </a:p>
           <a:p>
